--- a/ppt 16-9/1051.谷中百合花.pptx
+++ b/ppt 16-9/1051.谷中百合花.pptx
@@ -129,7 +129,7 @@
           <p:cNvPr id="2" name="标题 1">
             <a:extLst>
               <a:ext uri="{FF2B5EF4-FFF2-40B4-BE49-F238E27FC236}">
-                <a16:creationId xmlns:a16="http://schemas.microsoft.com/office/drawing/2014/main" id="{A38FE8B1-37A2-5953-0746-8C158E43F671}"/>
+                <a16:creationId xmlns:a16="http://schemas.microsoft.com/office/drawing/2014/main" id="{87C28308-C983-39E5-D55E-5E8DBA9A2D75}"/>
               </a:ext>
             </a:extLst>
           </p:cNvPr>
@@ -166,7 +166,7 @@
           <p:cNvPr id="3" name="副标题 2">
             <a:extLst>
               <a:ext uri="{FF2B5EF4-FFF2-40B4-BE49-F238E27FC236}">
-                <a16:creationId xmlns:a16="http://schemas.microsoft.com/office/drawing/2014/main" id="{D7E70F91-A3A3-8C5F-2640-2A058DEFE070}"/>
+                <a16:creationId xmlns:a16="http://schemas.microsoft.com/office/drawing/2014/main" id="{3811D358-73E5-B3A3-51F0-E063753CB490}"/>
               </a:ext>
             </a:extLst>
           </p:cNvPr>
@@ -236,7 +236,7 @@
           <p:cNvPr id="4" name="日期占位符 3">
             <a:extLst>
               <a:ext uri="{FF2B5EF4-FFF2-40B4-BE49-F238E27FC236}">
-                <a16:creationId xmlns:a16="http://schemas.microsoft.com/office/drawing/2014/main" id="{5364580E-42A6-45E5-E67E-862E9FCC452B}"/>
+                <a16:creationId xmlns:a16="http://schemas.microsoft.com/office/drawing/2014/main" id="{2C111277-D88A-C3E6-5881-9D983A6F6875}"/>
               </a:ext>
             </a:extLst>
           </p:cNvPr>
@@ -252,7 +252,7 @@
           <a:bodyPr/>
           <a:lstStyle/>
           <a:p>
-            <a:fld id="{3DA5D95A-15C4-483B-9E91-31BE209EBCCF}" type="datetimeFigureOut">
+            <a:fld id="{3CCD9F63-03AC-4CA2-A902-B03FE1FEC154}" type="datetimeFigureOut">
               <a:rPr lang="zh-CN" altLang="en-US" smtClean="0"/>
               <a:t>2024/3/10</a:t>
             </a:fld>
@@ -265,7 +265,7 @@
           <p:cNvPr id="5" name="页脚占位符 4">
             <a:extLst>
               <a:ext uri="{FF2B5EF4-FFF2-40B4-BE49-F238E27FC236}">
-                <a16:creationId xmlns:a16="http://schemas.microsoft.com/office/drawing/2014/main" id="{A9D47542-8776-FC00-0485-B17D6E14CAF1}"/>
+                <a16:creationId xmlns:a16="http://schemas.microsoft.com/office/drawing/2014/main" id="{E192189A-F413-1240-D4A2-D5AE416C7340}"/>
               </a:ext>
             </a:extLst>
           </p:cNvPr>
@@ -290,7 +290,7 @@
           <p:cNvPr id="6" name="灯片编号占位符 5">
             <a:extLst>
               <a:ext uri="{FF2B5EF4-FFF2-40B4-BE49-F238E27FC236}">
-                <a16:creationId xmlns:a16="http://schemas.microsoft.com/office/drawing/2014/main" id="{4E06F0F7-562C-FE35-5D03-48364BA47115}"/>
+                <a16:creationId xmlns:a16="http://schemas.microsoft.com/office/drawing/2014/main" id="{97698AC1-8E37-B8D2-47B5-7666C71C15BF}"/>
               </a:ext>
             </a:extLst>
           </p:cNvPr>
@@ -306,7 +306,7 @@
           <a:bodyPr/>
           <a:lstStyle/>
           <a:p>
-            <a:fld id="{FC233608-5B96-4529-9B2F-3A0E2BDCF4FC}" type="slidenum">
+            <a:fld id="{0EE1E839-FE36-4AF7-BF5F-BA8137F9BBBA}" type="slidenum">
               <a:rPr lang="zh-CN" altLang="en-US" smtClean="0"/>
               <a:t>‹#›</a:t>
             </a:fld>
@@ -317,7 +317,7 @@
     </p:spTree>
     <p:extLst>
       <p:ext uri="{BB962C8B-B14F-4D97-AF65-F5344CB8AC3E}">
-        <p14:creationId xmlns:p14="http://schemas.microsoft.com/office/powerpoint/2010/main" val="909537270"/>
+        <p14:creationId xmlns:p14="http://schemas.microsoft.com/office/powerpoint/2010/main" val="2372644401"/>
       </p:ext>
     </p:extLst>
   </p:cSld>
@@ -349,7 +349,7 @@
           <p:cNvPr id="2" name="标题 1">
             <a:extLst>
               <a:ext uri="{FF2B5EF4-FFF2-40B4-BE49-F238E27FC236}">
-                <a16:creationId xmlns:a16="http://schemas.microsoft.com/office/drawing/2014/main" id="{B01BF06F-0EC8-21DF-1FAE-55171BAF8A91}"/>
+                <a16:creationId xmlns:a16="http://schemas.microsoft.com/office/drawing/2014/main" id="{CEF1E5CA-E4A9-9212-E4C2-186553825512}"/>
               </a:ext>
             </a:extLst>
           </p:cNvPr>
@@ -377,7 +377,7 @@
           <p:cNvPr id="3" name="竖排文字占位符 2">
             <a:extLst>
               <a:ext uri="{FF2B5EF4-FFF2-40B4-BE49-F238E27FC236}">
-                <a16:creationId xmlns:a16="http://schemas.microsoft.com/office/drawing/2014/main" id="{F1BB71DF-D6BC-0DC6-5541-519A6C2E2B74}"/>
+                <a16:creationId xmlns:a16="http://schemas.microsoft.com/office/drawing/2014/main" id="{C2A1C036-90F3-A8D3-B510-10B108324E88}"/>
               </a:ext>
             </a:extLst>
           </p:cNvPr>
@@ -434,7 +434,7 @@
           <p:cNvPr id="4" name="日期占位符 3">
             <a:extLst>
               <a:ext uri="{FF2B5EF4-FFF2-40B4-BE49-F238E27FC236}">
-                <a16:creationId xmlns:a16="http://schemas.microsoft.com/office/drawing/2014/main" id="{A65E9CA1-B395-789D-444A-CB2A480F270F}"/>
+                <a16:creationId xmlns:a16="http://schemas.microsoft.com/office/drawing/2014/main" id="{96C84746-E955-A18B-E338-9319FA48F3BB}"/>
               </a:ext>
             </a:extLst>
           </p:cNvPr>
@@ -450,7 +450,7 @@
           <a:bodyPr/>
           <a:lstStyle/>
           <a:p>
-            <a:fld id="{3DA5D95A-15C4-483B-9E91-31BE209EBCCF}" type="datetimeFigureOut">
+            <a:fld id="{3CCD9F63-03AC-4CA2-A902-B03FE1FEC154}" type="datetimeFigureOut">
               <a:rPr lang="zh-CN" altLang="en-US" smtClean="0"/>
               <a:t>2024/3/10</a:t>
             </a:fld>
@@ -463,7 +463,7 @@
           <p:cNvPr id="5" name="页脚占位符 4">
             <a:extLst>
               <a:ext uri="{FF2B5EF4-FFF2-40B4-BE49-F238E27FC236}">
-                <a16:creationId xmlns:a16="http://schemas.microsoft.com/office/drawing/2014/main" id="{B33F95A7-B7C9-6506-4909-9C41E8E99979}"/>
+                <a16:creationId xmlns:a16="http://schemas.microsoft.com/office/drawing/2014/main" id="{D1F9ADF3-8BBF-7538-A4C6-E63DAF123D05}"/>
               </a:ext>
             </a:extLst>
           </p:cNvPr>
@@ -488,7 +488,7 @@
           <p:cNvPr id="6" name="灯片编号占位符 5">
             <a:extLst>
               <a:ext uri="{FF2B5EF4-FFF2-40B4-BE49-F238E27FC236}">
-                <a16:creationId xmlns:a16="http://schemas.microsoft.com/office/drawing/2014/main" id="{43F6DA2B-E534-029B-3AE0-A80C26548D43}"/>
+                <a16:creationId xmlns:a16="http://schemas.microsoft.com/office/drawing/2014/main" id="{33B1C18A-8577-DEB6-1D74-E315EBB9DEE6}"/>
               </a:ext>
             </a:extLst>
           </p:cNvPr>
@@ -504,7 +504,7 @@
           <a:bodyPr/>
           <a:lstStyle/>
           <a:p>
-            <a:fld id="{FC233608-5B96-4529-9B2F-3A0E2BDCF4FC}" type="slidenum">
+            <a:fld id="{0EE1E839-FE36-4AF7-BF5F-BA8137F9BBBA}" type="slidenum">
               <a:rPr lang="zh-CN" altLang="en-US" smtClean="0"/>
               <a:t>‹#›</a:t>
             </a:fld>
@@ -515,7 +515,7 @@
     </p:spTree>
     <p:extLst>
       <p:ext uri="{BB962C8B-B14F-4D97-AF65-F5344CB8AC3E}">
-        <p14:creationId xmlns:p14="http://schemas.microsoft.com/office/powerpoint/2010/main" val="3450721844"/>
+        <p14:creationId xmlns:p14="http://schemas.microsoft.com/office/powerpoint/2010/main" val="1171880539"/>
       </p:ext>
     </p:extLst>
   </p:cSld>
@@ -547,7 +547,7 @@
           <p:cNvPr id="2" name="竖排标题 1">
             <a:extLst>
               <a:ext uri="{FF2B5EF4-FFF2-40B4-BE49-F238E27FC236}">
-                <a16:creationId xmlns:a16="http://schemas.microsoft.com/office/drawing/2014/main" id="{469327AA-33F7-CFB9-25C4-69952E832724}"/>
+                <a16:creationId xmlns:a16="http://schemas.microsoft.com/office/drawing/2014/main" id="{7E135606-4DF9-3696-24E9-89D59ECCF08C}"/>
               </a:ext>
             </a:extLst>
           </p:cNvPr>
@@ -580,7 +580,7 @@
           <p:cNvPr id="3" name="竖排文字占位符 2">
             <a:extLst>
               <a:ext uri="{FF2B5EF4-FFF2-40B4-BE49-F238E27FC236}">
-                <a16:creationId xmlns:a16="http://schemas.microsoft.com/office/drawing/2014/main" id="{B1773245-A489-A01E-4B42-DF9A51351367}"/>
+                <a16:creationId xmlns:a16="http://schemas.microsoft.com/office/drawing/2014/main" id="{C1C00D8C-700A-6FB6-F625-A3C5C789E066}"/>
               </a:ext>
             </a:extLst>
           </p:cNvPr>
@@ -642,7 +642,7 @@
           <p:cNvPr id="4" name="日期占位符 3">
             <a:extLst>
               <a:ext uri="{FF2B5EF4-FFF2-40B4-BE49-F238E27FC236}">
-                <a16:creationId xmlns:a16="http://schemas.microsoft.com/office/drawing/2014/main" id="{6A55C8A0-45DD-A887-489A-DB63B3D62AAD}"/>
+                <a16:creationId xmlns:a16="http://schemas.microsoft.com/office/drawing/2014/main" id="{3D01FA95-1D50-A635-E776-2A6824E1E0F0}"/>
               </a:ext>
             </a:extLst>
           </p:cNvPr>
@@ -658,7 +658,7 @@
           <a:bodyPr/>
           <a:lstStyle/>
           <a:p>
-            <a:fld id="{3DA5D95A-15C4-483B-9E91-31BE209EBCCF}" type="datetimeFigureOut">
+            <a:fld id="{3CCD9F63-03AC-4CA2-A902-B03FE1FEC154}" type="datetimeFigureOut">
               <a:rPr lang="zh-CN" altLang="en-US" smtClean="0"/>
               <a:t>2024/3/10</a:t>
             </a:fld>
@@ -671,7 +671,7 @@
           <p:cNvPr id="5" name="页脚占位符 4">
             <a:extLst>
               <a:ext uri="{FF2B5EF4-FFF2-40B4-BE49-F238E27FC236}">
-                <a16:creationId xmlns:a16="http://schemas.microsoft.com/office/drawing/2014/main" id="{EE51AC37-7C3C-BCB0-BE4F-1DABFD82FCF0}"/>
+                <a16:creationId xmlns:a16="http://schemas.microsoft.com/office/drawing/2014/main" id="{C8B1D38F-DDC2-DED5-2EB5-4A3FFAD74952}"/>
               </a:ext>
             </a:extLst>
           </p:cNvPr>
@@ -696,7 +696,7 @@
           <p:cNvPr id="6" name="灯片编号占位符 5">
             <a:extLst>
               <a:ext uri="{FF2B5EF4-FFF2-40B4-BE49-F238E27FC236}">
-                <a16:creationId xmlns:a16="http://schemas.microsoft.com/office/drawing/2014/main" id="{14ED19F8-8CCA-7653-39D4-3A9751FA7946}"/>
+                <a16:creationId xmlns:a16="http://schemas.microsoft.com/office/drawing/2014/main" id="{940745CD-B05C-6C29-33EF-64512657784E}"/>
               </a:ext>
             </a:extLst>
           </p:cNvPr>
@@ -712,7 +712,7 @@
           <a:bodyPr/>
           <a:lstStyle/>
           <a:p>
-            <a:fld id="{FC233608-5B96-4529-9B2F-3A0E2BDCF4FC}" type="slidenum">
+            <a:fld id="{0EE1E839-FE36-4AF7-BF5F-BA8137F9BBBA}" type="slidenum">
               <a:rPr lang="zh-CN" altLang="en-US" smtClean="0"/>
               <a:t>‹#›</a:t>
             </a:fld>
@@ -723,7 +723,7 @@
     </p:spTree>
     <p:extLst>
       <p:ext uri="{BB962C8B-B14F-4D97-AF65-F5344CB8AC3E}">
-        <p14:creationId xmlns:p14="http://schemas.microsoft.com/office/powerpoint/2010/main" val="1189534752"/>
+        <p14:creationId xmlns:p14="http://schemas.microsoft.com/office/powerpoint/2010/main" val="2528575457"/>
       </p:ext>
     </p:extLst>
   </p:cSld>
@@ -755,7 +755,7 @@
           <p:cNvPr id="2" name="标题 1">
             <a:extLst>
               <a:ext uri="{FF2B5EF4-FFF2-40B4-BE49-F238E27FC236}">
-                <a16:creationId xmlns:a16="http://schemas.microsoft.com/office/drawing/2014/main" id="{096DB3E1-2BC1-CA62-1288-728189F6F5B7}"/>
+                <a16:creationId xmlns:a16="http://schemas.microsoft.com/office/drawing/2014/main" id="{DFA5EFB6-FFB8-CC2E-69D9-0021AD32E5D1}"/>
               </a:ext>
             </a:extLst>
           </p:cNvPr>
@@ -783,7 +783,7 @@
           <p:cNvPr id="3" name="内容占位符 2">
             <a:extLst>
               <a:ext uri="{FF2B5EF4-FFF2-40B4-BE49-F238E27FC236}">
-                <a16:creationId xmlns:a16="http://schemas.microsoft.com/office/drawing/2014/main" id="{8108920F-48E0-A55F-690B-EDB257AFE166}"/>
+                <a16:creationId xmlns:a16="http://schemas.microsoft.com/office/drawing/2014/main" id="{797E3EDB-FDE6-3483-7D96-E7840990C3B2}"/>
               </a:ext>
             </a:extLst>
           </p:cNvPr>
@@ -840,7 +840,7 @@
           <p:cNvPr id="4" name="日期占位符 3">
             <a:extLst>
               <a:ext uri="{FF2B5EF4-FFF2-40B4-BE49-F238E27FC236}">
-                <a16:creationId xmlns:a16="http://schemas.microsoft.com/office/drawing/2014/main" id="{72FA364E-8024-CCBC-FA09-BB7278E2FBAF}"/>
+                <a16:creationId xmlns:a16="http://schemas.microsoft.com/office/drawing/2014/main" id="{6026000D-7688-DB89-A2C8-E58259F2321B}"/>
               </a:ext>
             </a:extLst>
           </p:cNvPr>
@@ -856,7 +856,7 @@
           <a:bodyPr/>
           <a:lstStyle/>
           <a:p>
-            <a:fld id="{3DA5D95A-15C4-483B-9E91-31BE209EBCCF}" type="datetimeFigureOut">
+            <a:fld id="{3CCD9F63-03AC-4CA2-A902-B03FE1FEC154}" type="datetimeFigureOut">
               <a:rPr lang="zh-CN" altLang="en-US" smtClean="0"/>
               <a:t>2024/3/10</a:t>
             </a:fld>
@@ -869,7 +869,7 @@
           <p:cNvPr id="5" name="页脚占位符 4">
             <a:extLst>
               <a:ext uri="{FF2B5EF4-FFF2-40B4-BE49-F238E27FC236}">
-                <a16:creationId xmlns:a16="http://schemas.microsoft.com/office/drawing/2014/main" id="{75689F3D-681A-227A-9CC9-F0DB80C72B4B}"/>
+                <a16:creationId xmlns:a16="http://schemas.microsoft.com/office/drawing/2014/main" id="{26B266D0-DAED-AA68-2BD2-139F164DDB54}"/>
               </a:ext>
             </a:extLst>
           </p:cNvPr>
@@ -894,7 +894,7 @@
           <p:cNvPr id="6" name="灯片编号占位符 5">
             <a:extLst>
               <a:ext uri="{FF2B5EF4-FFF2-40B4-BE49-F238E27FC236}">
-                <a16:creationId xmlns:a16="http://schemas.microsoft.com/office/drawing/2014/main" id="{00D19AEF-D6D7-725D-B8C0-E50C85F2930A}"/>
+                <a16:creationId xmlns:a16="http://schemas.microsoft.com/office/drawing/2014/main" id="{80C843E7-C861-82F6-703C-BD7FD2D459D7}"/>
               </a:ext>
             </a:extLst>
           </p:cNvPr>
@@ -910,7 +910,7 @@
           <a:bodyPr/>
           <a:lstStyle/>
           <a:p>
-            <a:fld id="{FC233608-5B96-4529-9B2F-3A0E2BDCF4FC}" type="slidenum">
+            <a:fld id="{0EE1E839-FE36-4AF7-BF5F-BA8137F9BBBA}" type="slidenum">
               <a:rPr lang="zh-CN" altLang="en-US" smtClean="0"/>
               <a:t>‹#›</a:t>
             </a:fld>
@@ -921,7 +921,7 @@
     </p:spTree>
     <p:extLst>
       <p:ext uri="{BB962C8B-B14F-4D97-AF65-F5344CB8AC3E}">
-        <p14:creationId xmlns:p14="http://schemas.microsoft.com/office/powerpoint/2010/main" val="1586428509"/>
+        <p14:creationId xmlns:p14="http://schemas.microsoft.com/office/powerpoint/2010/main" val="1068552028"/>
       </p:ext>
     </p:extLst>
   </p:cSld>
@@ -953,7 +953,7 @@
           <p:cNvPr id="2" name="标题 1">
             <a:extLst>
               <a:ext uri="{FF2B5EF4-FFF2-40B4-BE49-F238E27FC236}">
-                <a16:creationId xmlns:a16="http://schemas.microsoft.com/office/drawing/2014/main" id="{605CEDC5-E016-9E8C-BB8F-84F16646F139}"/>
+                <a16:creationId xmlns:a16="http://schemas.microsoft.com/office/drawing/2014/main" id="{3B48C041-10B8-F86A-72C6-20FCC97A6B63}"/>
               </a:ext>
             </a:extLst>
           </p:cNvPr>
@@ -990,7 +990,7 @@
           <p:cNvPr id="3" name="文本占位符 2">
             <a:extLst>
               <a:ext uri="{FF2B5EF4-FFF2-40B4-BE49-F238E27FC236}">
-                <a16:creationId xmlns:a16="http://schemas.microsoft.com/office/drawing/2014/main" id="{E6484E25-B882-0BB5-E37B-9F5815B43D2D}"/>
+                <a16:creationId xmlns:a16="http://schemas.microsoft.com/office/drawing/2014/main" id="{61F1184F-B5A4-91F4-3A05-91811CC15903}"/>
               </a:ext>
             </a:extLst>
           </p:cNvPr>
@@ -1115,7 +1115,7 @@
           <p:cNvPr id="4" name="日期占位符 3">
             <a:extLst>
               <a:ext uri="{FF2B5EF4-FFF2-40B4-BE49-F238E27FC236}">
-                <a16:creationId xmlns:a16="http://schemas.microsoft.com/office/drawing/2014/main" id="{188EF72D-448C-5DEA-D3AA-86F5C2E9E4B3}"/>
+                <a16:creationId xmlns:a16="http://schemas.microsoft.com/office/drawing/2014/main" id="{4E4F3B69-091E-47D3-29C5-EF8AA385F8AA}"/>
               </a:ext>
             </a:extLst>
           </p:cNvPr>
@@ -1131,7 +1131,7 @@
           <a:bodyPr/>
           <a:lstStyle/>
           <a:p>
-            <a:fld id="{3DA5D95A-15C4-483B-9E91-31BE209EBCCF}" type="datetimeFigureOut">
+            <a:fld id="{3CCD9F63-03AC-4CA2-A902-B03FE1FEC154}" type="datetimeFigureOut">
               <a:rPr lang="zh-CN" altLang="en-US" smtClean="0"/>
               <a:t>2024/3/10</a:t>
             </a:fld>
@@ -1144,7 +1144,7 @@
           <p:cNvPr id="5" name="页脚占位符 4">
             <a:extLst>
               <a:ext uri="{FF2B5EF4-FFF2-40B4-BE49-F238E27FC236}">
-                <a16:creationId xmlns:a16="http://schemas.microsoft.com/office/drawing/2014/main" id="{187CB5A3-A975-4212-8A69-97770C90A54D}"/>
+                <a16:creationId xmlns:a16="http://schemas.microsoft.com/office/drawing/2014/main" id="{E7FE3CED-3BF2-7B3F-06D2-833194E70195}"/>
               </a:ext>
             </a:extLst>
           </p:cNvPr>
@@ -1169,7 +1169,7 @@
           <p:cNvPr id="6" name="灯片编号占位符 5">
             <a:extLst>
               <a:ext uri="{FF2B5EF4-FFF2-40B4-BE49-F238E27FC236}">
-                <a16:creationId xmlns:a16="http://schemas.microsoft.com/office/drawing/2014/main" id="{D1CCCC30-7C7C-0196-D260-31F7A6D96243}"/>
+                <a16:creationId xmlns:a16="http://schemas.microsoft.com/office/drawing/2014/main" id="{A12E3BBC-4523-F328-A94B-1055BDD7AFAE}"/>
               </a:ext>
             </a:extLst>
           </p:cNvPr>
@@ -1185,7 +1185,7 @@
           <a:bodyPr/>
           <a:lstStyle/>
           <a:p>
-            <a:fld id="{FC233608-5B96-4529-9B2F-3A0E2BDCF4FC}" type="slidenum">
+            <a:fld id="{0EE1E839-FE36-4AF7-BF5F-BA8137F9BBBA}" type="slidenum">
               <a:rPr lang="zh-CN" altLang="en-US" smtClean="0"/>
               <a:t>‹#›</a:t>
             </a:fld>
@@ -1196,7 +1196,7 @@
     </p:spTree>
     <p:extLst>
       <p:ext uri="{BB962C8B-B14F-4D97-AF65-F5344CB8AC3E}">
-        <p14:creationId xmlns:p14="http://schemas.microsoft.com/office/powerpoint/2010/main" val="945699023"/>
+        <p14:creationId xmlns:p14="http://schemas.microsoft.com/office/powerpoint/2010/main" val="1539267474"/>
       </p:ext>
     </p:extLst>
   </p:cSld>
@@ -1228,7 +1228,7 @@
           <p:cNvPr id="2" name="标题 1">
             <a:extLst>
               <a:ext uri="{FF2B5EF4-FFF2-40B4-BE49-F238E27FC236}">
-                <a16:creationId xmlns:a16="http://schemas.microsoft.com/office/drawing/2014/main" id="{A2CF1B6A-AE99-1F6B-485A-C18F3E5A8082}"/>
+                <a16:creationId xmlns:a16="http://schemas.microsoft.com/office/drawing/2014/main" id="{B1B91253-94AD-8F9D-6153-B1186A0CF67D}"/>
               </a:ext>
             </a:extLst>
           </p:cNvPr>
@@ -1256,7 +1256,7 @@
           <p:cNvPr id="3" name="内容占位符 2">
             <a:extLst>
               <a:ext uri="{FF2B5EF4-FFF2-40B4-BE49-F238E27FC236}">
-                <a16:creationId xmlns:a16="http://schemas.microsoft.com/office/drawing/2014/main" id="{967949CD-6F2B-FC3A-FE21-7AAAD0F3D7C9}"/>
+                <a16:creationId xmlns:a16="http://schemas.microsoft.com/office/drawing/2014/main" id="{897B3FBD-3E95-6996-35F1-A4F9D15FF164}"/>
               </a:ext>
             </a:extLst>
           </p:cNvPr>
@@ -1318,7 +1318,7 @@
           <p:cNvPr id="4" name="内容占位符 3">
             <a:extLst>
               <a:ext uri="{FF2B5EF4-FFF2-40B4-BE49-F238E27FC236}">
-                <a16:creationId xmlns:a16="http://schemas.microsoft.com/office/drawing/2014/main" id="{F9E135C8-0D21-D02B-36D6-2729753208FF}"/>
+                <a16:creationId xmlns:a16="http://schemas.microsoft.com/office/drawing/2014/main" id="{38906A5E-B5B5-33A1-D8D5-BE18264E2545}"/>
               </a:ext>
             </a:extLst>
           </p:cNvPr>
@@ -1380,7 +1380,7 @@
           <p:cNvPr id="5" name="日期占位符 4">
             <a:extLst>
               <a:ext uri="{FF2B5EF4-FFF2-40B4-BE49-F238E27FC236}">
-                <a16:creationId xmlns:a16="http://schemas.microsoft.com/office/drawing/2014/main" id="{50E0D2BE-B8FF-C785-39BF-1B9A26CC15BC}"/>
+                <a16:creationId xmlns:a16="http://schemas.microsoft.com/office/drawing/2014/main" id="{28C33CC0-ED10-B972-3A3D-91CB7546A5C2}"/>
               </a:ext>
             </a:extLst>
           </p:cNvPr>
@@ -1396,7 +1396,7 @@
           <a:bodyPr/>
           <a:lstStyle/>
           <a:p>
-            <a:fld id="{3DA5D95A-15C4-483B-9E91-31BE209EBCCF}" type="datetimeFigureOut">
+            <a:fld id="{3CCD9F63-03AC-4CA2-A902-B03FE1FEC154}" type="datetimeFigureOut">
               <a:rPr lang="zh-CN" altLang="en-US" smtClean="0"/>
               <a:t>2024/3/10</a:t>
             </a:fld>
@@ -1409,7 +1409,7 @@
           <p:cNvPr id="6" name="页脚占位符 5">
             <a:extLst>
               <a:ext uri="{FF2B5EF4-FFF2-40B4-BE49-F238E27FC236}">
-                <a16:creationId xmlns:a16="http://schemas.microsoft.com/office/drawing/2014/main" id="{27B6A6A4-CF57-8195-EF32-7A68C08AAE49}"/>
+                <a16:creationId xmlns:a16="http://schemas.microsoft.com/office/drawing/2014/main" id="{1D9E5DFE-C4EF-B96A-20E3-AA22AD82DF8C}"/>
               </a:ext>
             </a:extLst>
           </p:cNvPr>
@@ -1434,7 +1434,7 @@
           <p:cNvPr id="7" name="灯片编号占位符 6">
             <a:extLst>
               <a:ext uri="{FF2B5EF4-FFF2-40B4-BE49-F238E27FC236}">
-                <a16:creationId xmlns:a16="http://schemas.microsoft.com/office/drawing/2014/main" id="{5E9CFB1D-331D-2872-4ED3-7E0ACF0D14AC}"/>
+                <a16:creationId xmlns:a16="http://schemas.microsoft.com/office/drawing/2014/main" id="{432833A6-AE1E-374B-54D5-645E5085E8EA}"/>
               </a:ext>
             </a:extLst>
           </p:cNvPr>
@@ -1450,7 +1450,7 @@
           <a:bodyPr/>
           <a:lstStyle/>
           <a:p>
-            <a:fld id="{FC233608-5B96-4529-9B2F-3A0E2BDCF4FC}" type="slidenum">
+            <a:fld id="{0EE1E839-FE36-4AF7-BF5F-BA8137F9BBBA}" type="slidenum">
               <a:rPr lang="zh-CN" altLang="en-US" smtClean="0"/>
               <a:t>‹#›</a:t>
             </a:fld>
@@ -1461,7 +1461,7 @@
     </p:spTree>
     <p:extLst>
       <p:ext uri="{BB962C8B-B14F-4D97-AF65-F5344CB8AC3E}">
-        <p14:creationId xmlns:p14="http://schemas.microsoft.com/office/powerpoint/2010/main" val="1412009774"/>
+        <p14:creationId xmlns:p14="http://schemas.microsoft.com/office/powerpoint/2010/main" val="2488698517"/>
       </p:ext>
     </p:extLst>
   </p:cSld>
@@ -1493,7 +1493,7 @@
           <p:cNvPr id="2" name="标题 1">
             <a:extLst>
               <a:ext uri="{FF2B5EF4-FFF2-40B4-BE49-F238E27FC236}">
-                <a16:creationId xmlns:a16="http://schemas.microsoft.com/office/drawing/2014/main" id="{9F5BA6E2-592B-6186-9C05-B35B606744D3}"/>
+                <a16:creationId xmlns:a16="http://schemas.microsoft.com/office/drawing/2014/main" id="{618A425C-762E-F88D-0D81-27F1AE044918}"/>
               </a:ext>
             </a:extLst>
           </p:cNvPr>
@@ -1526,7 +1526,7 @@
           <p:cNvPr id="3" name="文本占位符 2">
             <a:extLst>
               <a:ext uri="{FF2B5EF4-FFF2-40B4-BE49-F238E27FC236}">
-                <a16:creationId xmlns:a16="http://schemas.microsoft.com/office/drawing/2014/main" id="{30F809F4-0F8C-8C69-3B65-1C73438F46BD}"/>
+                <a16:creationId xmlns:a16="http://schemas.microsoft.com/office/drawing/2014/main" id="{82DB035C-0DB5-D7E9-59A4-80755CCBA053}"/>
               </a:ext>
             </a:extLst>
           </p:cNvPr>
@@ -1597,7 +1597,7 @@
           <p:cNvPr id="4" name="内容占位符 3">
             <a:extLst>
               <a:ext uri="{FF2B5EF4-FFF2-40B4-BE49-F238E27FC236}">
-                <a16:creationId xmlns:a16="http://schemas.microsoft.com/office/drawing/2014/main" id="{90482976-2EAB-C4FA-A485-460B9AD957AF}"/>
+                <a16:creationId xmlns:a16="http://schemas.microsoft.com/office/drawing/2014/main" id="{AF332A0D-60AA-F783-7120-A23024C003DF}"/>
               </a:ext>
             </a:extLst>
           </p:cNvPr>
@@ -1659,7 +1659,7 @@
           <p:cNvPr id="5" name="文本占位符 4">
             <a:extLst>
               <a:ext uri="{FF2B5EF4-FFF2-40B4-BE49-F238E27FC236}">
-                <a16:creationId xmlns:a16="http://schemas.microsoft.com/office/drawing/2014/main" id="{A5F3338D-D8C4-E0EA-5659-06AB0DFFB4FA}"/>
+                <a16:creationId xmlns:a16="http://schemas.microsoft.com/office/drawing/2014/main" id="{2ABCE109-FDCF-CF39-3DA8-9600A975D3A4}"/>
               </a:ext>
             </a:extLst>
           </p:cNvPr>
@@ -1730,7 +1730,7 @@
           <p:cNvPr id="6" name="内容占位符 5">
             <a:extLst>
               <a:ext uri="{FF2B5EF4-FFF2-40B4-BE49-F238E27FC236}">
-                <a16:creationId xmlns:a16="http://schemas.microsoft.com/office/drawing/2014/main" id="{3B459D62-C8CE-3FE8-6290-72B9615322F9}"/>
+                <a16:creationId xmlns:a16="http://schemas.microsoft.com/office/drawing/2014/main" id="{29B76BDF-213F-602B-8443-533A7F7A42C3}"/>
               </a:ext>
             </a:extLst>
           </p:cNvPr>
@@ -1792,7 +1792,7 @@
           <p:cNvPr id="7" name="日期占位符 6">
             <a:extLst>
               <a:ext uri="{FF2B5EF4-FFF2-40B4-BE49-F238E27FC236}">
-                <a16:creationId xmlns:a16="http://schemas.microsoft.com/office/drawing/2014/main" id="{F6BD6CDC-F640-FFFA-B1A5-67F5D9EAE8AC}"/>
+                <a16:creationId xmlns:a16="http://schemas.microsoft.com/office/drawing/2014/main" id="{56D8868E-2B0A-17EB-27F1-7E88F62645D5}"/>
               </a:ext>
             </a:extLst>
           </p:cNvPr>
@@ -1808,7 +1808,7 @@
           <a:bodyPr/>
           <a:lstStyle/>
           <a:p>
-            <a:fld id="{3DA5D95A-15C4-483B-9E91-31BE209EBCCF}" type="datetimeFigureOut">
+            <a:fld id="{3CCD9F63-03AC-4CA2-A902-B03FE1FEC154}" type="datetimeFigureOut">
               <a:rPr lang="zh-CN" altLang="en-US" smtClean="0"/>
               <a:t>2024/3/10</a:t>
             </a:fld>
@@ -1821,7 +1821,7 @@
           <p:cNvPr id="8" name="页脚占位符 7">
             <a:extLst>
               <a:ext uri="{FF2B5EF4-FFF2-40B4-BE49-F238E27FC236}">
-                <a16:creationId xmlns:a16="http://schemas.microsoft.com/office/drawing/2014/main" id="{EE633208-98E8-DEA1-B9B0-87AF86BC7884}"/>
+                <a16:creationId xmlns:a16="http://schemas.microsoft.com/office/drawing/2014/main" id="{B2BEA680-904D-3B85-F07C-3E3007A9F550}"/>
               </a:ext>
             </a:extLst>
           </p:cNvPr>
@@ -1846,7 +1846,7 @@
           <p:cNvPr id="9" name="灯片编号占位符 8">
             <a:extLst>
               <a:ext uri="{FF2B5EF4-FFF2-40B4-BE49-F238E27FC236}">
-                <a16:creationId xmlns:a16="http://schemas.microsoft.com/office/drawing/2014/main" id="{1DBF1CD3-01A9-7E55-7846-D61EDF56031A}"/>
+                <a16:creationId xmlns:a16="http://schemas.microsoft.com/office/drawing/2014/main" id="{4F523FE6-F62C-DA19-3742-7C2E382A97D6}"/>
               </a:ext>
             </a:extLst>
           </p:cNvPr>
@@ -1862,7 +1862,7 @@
           <a:bodyPr/>
           <a:lstStyle/>
           <a:p>
-            <a:fld id="{FC233608-5B96-4529-9B2F-3A0E2BDCF4FC}" type="slidenum">
+            <a:fld id="{0EE1E839-FE36-4AF7-BF5F-BA8137F9BBBA}" type="slidenum">
               <a:rPr lang="zh-CN" altLang="en-US" smtClean="0"/>
               <a:t>‹#›</a:t>
             </a:fld>
@@ -1873,7 +1873,7 @@
     </p:spTree>
     <p:extLst>
       <p:ext uri="{BB962C8B-B14F-4D97-AF65-F5344CB8AC3E}">
-        <p14:creationId xmlns:p14="http://schemas.microsoft.com/office/powerpoint/2010/main" val="3176424516"/>
+        <p14:creationId xmlns:p14="http://schemas.microsoft.com/office/powerpoint/2010/main" val="2429428229"/>
       </p:ext>
     </p:extLst>
   </p:cSld>
@@ -1905,7 +1905,7 @@
           <p:cNvPr id="2" name="标题 1">
             <a:extLst>
               <a:ext uri="{FF2B5EF4-FFF2-40B4-BE49-F238E27FC236}">
-                <a16:creationId xmlns:a16="http://schemas.microsoft.com/office/drawing/2014/main" id="{2E62374B-FC21-422D-EA4D-07937509F7B7}"/>
+                <a16:creationId xmlns:a16="http://schemas.microsoft.com/office/drawing/2014/main" id="{09C48220-DECC-FB5A-1FEF-EFCFA108905F}"/>
               </a:ext>
             </a:extLst>
           </p:cNvPr>
@@ -1933,7 +1933,7 @@
           <p:cNvPr id="3" name="日期占位符 2">
             <a:extLst>
               <a:ext uri="{FF2B5EF4-FFF2-40B4-BE49-F238E27FC236}">
-                <a16:creationId xmlns:a16="http://schemas.microsoft.com/office/drawing/2014/main" id="{1631A159-D96E-942B-1940-586F282533DF}"/>
+                <a16:creationId xmlns:a16="http://schemas.microsoft.com/office/drawing/2014/main" id="{B9DF874C-BC62-2B2C-258B-7BDF9FBBD490}"/>
               </a:ext>
             </a:extLst>
           </p:cNvPr>
@@ -1949,7 +1949,7 @@
           <a:bodyPr/>
           <a:lstStyle/>
           <a:p>
-            <a:fld id="{3DA5D95A-15C4-483B-9E91-31BE209EBCCF}" type="datetimeFigureOut">
+            <a:fld id="{3CCD9F63-03AC-4CA2-A902-B03FE1FEC154}" type="datetimeFigureOut">
               <a:rPr lang="zh-CN" altLang="en-US" smtClean="0"/>
               <a:t>2024/3/10</a:t>
             </a:fld>
@@ -1962,7 +1962,7 @@
           <p:cNvPr id="4" name="页脚占位符 3">
             <a:extLst>
               <a:ext uri="{FF2B5EF4-FFF2-40B4-BE49-F238E27FC236}">
-                <a16:creationId xmlns:a16="http://schemas.microsoft.com/office/drawing/2014/main" id="{F3313700-E782-4D72-6DA2-ADBB5DB39A0A}"/>
+                <a16:creationId xmlns:a16="http://schemas.microsoft.com/office/drawing/2014/main" id="{5E3C6404-E409-1CFA-A35F-8B470A5EB1CB}"/>
               </a:ext>
             </a:extLst>
           </p:cNvPr>
@@ -1987,7 +1987,7 @@
           <p:cNvPr id="5" name="灯片编号占位符 4">
             <a:extLst>
               <a:ext uri="{FF2B5EF4-FFF2-40B4-BE49-F238E27FC236}">
-                <a16:creationId xmlns:a16="http://schemas.microsoft.com/office/drawing/2014/main" id="{D91CF365-C032-8EC1-D6C1-CB98FD25CA09}"/>
+                <a16:creationId xmlns:a16="http://schemas.microsoft.com/office/drawing/2014/main" id="{6701BC22-ED42-1744-D582-3B21B72352A8}"/>
               </a:ext>
             </a:extLst>
           </p:cNvPr>
@@ -2003,7 +2003,7 @@
           <a:bodyPr/>
           <a:lstStyle/>
           <a:p>
-            <a:fld id="{FC233608-5B96-4529-9B2F-3A0E2BDCF4FC}" type="slidenum">
+            <a:fld id="{0EE1E839-FE36-4AF7-BF5F-BA8137F9BBBA}" type="slidenum">
               <a:rPr lang="zh-CN" altLang="en-US" smtClean="0"/>
               <a:t>‹#›</a:t>
             </a:fld>
@@ -2014,7 +2014,7 @@
     </p:spTree>
     <p:extLst>
       <p:ext uri="{BB962C8B-B14F-4D97-AF65-F5344CB8AC3E}">
-        <p14:creationId xmlns:p14="http://schemas.microsoft.com/office/powerpoint/2010/main" val="3132988762"/>
+        <p14:creationId xmlns:p14="http://schemas.microsoft.com/office/powerpoint/2010/main" val="897784297"/>
       </p:ext>
     </p:extLst>
   </p:cSld>
@@ -2046,7 +2046,7 @@
           <p:cNvPr id="2" name="日期占位符 1">
             <a:extLst>
               <a:ext uri="{FF2B5EF4-FFF2-40B4-BE49-F238E27FC236}">
-                <a16:creationId xmlns:a16="http://schemas.microsoft.com/office/drawing/2014/main" id="{3C562842-4265-3A84-EC7B-1FB8B36A87DC}"/>
+                <a16:creationId xmlns:a16="http://schemas.microsoft.com/office/drawing/2014/main" id="{367C3C0E-D5FC-5B5B-12E3-1FFC4DE53EE7}"/>
               </a:ext>
             </a:extLst>
           </p:cNvPr>
@@ -2062,7 +2062,7 @@
           <a:bodyPr/>
           <a:lstStyle/>
           <a:p>
-            <a:fld id="{3DA5D95A-15C4-483B-9E91-31BE209EBCCF}" type="datetimeFigureOut">
+            <a:fld id="{3CCD9F63-03AC-4CA2-A902-B03FE1FEC154}" type="datetimeFigureOut">
               <a:rPr lang="zh-CN" altLang="en-US" smtClean="0"/>
               <a:t>2024/3/10</a:t>
             </a:fld>
@@ -2075,7 +2075,7 @@
           <p:cNvPr id="3" name="页脚占位符 2">
             <a:extLst>
               <a:ext uri="{FF2B5EF4-FFF2-40B4-BE49-F238E27FC236}">
-                <a16:creationId xmlns:a16="http://schemas.microsoft.com/office/drawing/2014/main" id="{FE0E275D-B902-9851-6FA5-A248A82724A1}"/>
+                <a16:creationId xmlns:a16="http://schemas.microsoft.com/office/drawing/2014/main" id="{337F12CB-4AD0-02B6-EF20-B57118BAE09F}"/>
               </a:ext>
             </a:extLst>
           </p:cNvPr>
@@ -2100,7 +2100,7 @@
           <p:cNvPr id="4" name="灯片编号占位符 3">
             <a:extLst>
               <a:ext uri="{FF2B5EF4-FFF2-40B4-BE49-F238E27FC236}">
-                <a16:creationId xmlns:a16="http://schemas.microsoft.com/office/drawing/2014/main" id="{95906DAD-9A0B-FF28-EE66-02928F42DDB0}"/>
+                <a16:creationId xmlns:a16="http://schemas.microsoft.com/office/drawing/2014/main" id="{F98E5AE8-E446-E0B5-7581-1E9B0DA21EA4}"/>
               </a:ext>
             </a:extLst>
           </p:cNvPr>
@@ -2116,7 +2116,7 @@
           <a:bodyPr/>
           <a:lstStyle/>
           <a:p>
-            <a:fld id="{FC233608-5B96-4529-9B2F-3A0E2BDCF4FC}" type="slidenum">
+            <a:fld id="{0EE1E839-FE36-4AF7-BF5F-BA8137F9BBBA}" type="slidenum">
               <a:rPr lang="zh-CN" altLang="en-US" smtClean="0"/>
               <a:t>‹#›</a:t>
             </a:fld>
@@ -2127,7 +2127,7 @@
     </p:spTree>
     <p:extLst>
       <p:ext uri="{BB962C8B-B14F-4D97-AF65-F5344CB8AC3E}">
-        <p14:creationId xmlns:p14="http://schemas.microsoft.com/office/powerpoint/2010/main" val="4279550169"/>
+        <p14:creationId xmlns:p14="http://schemas.microsoft.com/office/powerpoint/2010/main" val="885845750"/>
       </p:ext>
     </p:extLst>
   </p:cSld>
@@ -2159,7 +2159,7 @@
           <p:cNvPr id="2" name="标题 1">
             <a:extLst>
               <a:ext uri="{FF2B5EF4-FFF2-40B4-BE49-F238E27FC236}">
-                <a16:creationId xmlns:a16="http://schemas.microsoft.com/office/drawing/2014/main" id="{7256B183-A42E-4367-F401-1F10C28107A1}"/>
+                <a16:creationId xmlns:a16="http://schemas.microsoft.com/office/drawing/2014/main" id="{0032DA56-7D5E-7D1B-8E33-66A443DEE650}"/>
               </a:ext>
             </a:extLst>
           </p:cNvPr>
@@ -2196,7 +2196,7 @@
           <p:cNvPr id="3" name="内容占位符 2">
             <a:extLst>
               <a:ext uri="{FF2B5EF4-FFF2-40B4-BE49-F238E27FC236}">
-                <a16:creationId xmlns:a16="http://schemas.microsoft.com/office/drawing/2014/main" id="{FFE5C6DE-17AF-91B1-1FCB-93F1DC1745EF}"/>
+                <a16:creationId xmlns:a16="http://schemas.microsoft.com/office/drawing/2014/main" id="{C057EC42-C91B-D945-34AD-120D24525416}"/>
               </a:ext>
             </a:extLst>
           </p:cNvPr>
@@ -2286,7 +2286,7 @@
           <p:cNvPr id="4" name="文本占位符 3">
             <a:extLst>
               <a:ext uri="{FF2B5EF4-FFF2-40B4-BE49-F238E27FC236}">
-                <a16:creationId xmlns:a16="http://schemas.microsoft.com/office/drawing/2014/main" id="{E5108EEB-48D0-8A3C-F0B5-15523A760EA7}"/>
+                <a16:creationId xmlns:a16="http://schemas.microsoft.com/office/drawing/2014/main" id="{310152DD-DE60-C6D3-2829-E772244B1662}"/>
               </a:ext>
             </a:extLst>
           </p:cNvPr>
@@ -2357,7 +2357,7 @@
           <p:cNvPr id="5" name="日期占位符 4">
             <a:extLst>
               <a:ext uri="{FF2B5EF4-FFF2-40B4-BE49-F238E27FC236}">
-                <a16:creationId xmlns:a16="http://schemas.microsoft.com/office/drawing/2014/main" id="{7CB6A608-C6B2-02EF-53EE-A85FA58D2CE1}"/>
+                <a16:creationId xmlns:a16="http://schemas.microsoft.com/office/drawing/2014/main" id="{5EC23982-2EBD-A8D6-0030-8AE5976C9ABD}"/>
               </a:ext>
             </a:extLst>
           </p:cNvPr>
@@ -2373,7 +2373,7 @@
           <a:bodyPr/>
           <a:lstStyle/>
           <a:p>
-            <a:fld id="{3DA5D95A-15C4-483B-9E91-31BE209EBCCF}" type="datetimeFigureOut">
+            <a:fld id="{3CCD9F63-03AC-4CA2-A902-B03FE1FEC154}" type="datetimeFigureOut">
               <a:rPr lang="zh-CN" altLang="en-US" smtClean="0"/>
               <a:t>2024/3/10</a:t>
             </a:fld>
@@ -2386,7 +2386,7 @@
           <p:cNvPr id="6" name="页脚占位符 5">
             <a:extLst>
               <a:ext uri="{FF2B5EF4-FFF2-40B4-BE49-F238E27FC236}">
-                <a16:creationId xmlns:a16="http://schemas.microsoft.com/office/drawing/2014/main" id="{FC20BDCF-FE76-7275-7BB7-2BF8E734924A}"/>
+                <a16:creationId xmlns:a16="http://schemas.microsoft.com/office/drawing/2014/main" id="{26FDE3BA-9EF8-5D63-41E9-FFA90DA50955}"/>
               </a:ext>
             </a:extLst>
           </p:cNvPr>
@@ -2411,7 +2411,7 @@
           <p:cNvPr id="7" name="灯片编号占位符 6">
             <a:extLst>
               <a:ext uri="{FF2B5EF4-FFF2-40B4-BE49-F238E27FC236}">
-                <a16:creationId xmlns:a16="http://schemas.microsoft.com/office/drawing/2014/main" id="{2EB2D449-3EC6-8B5A-4AD6-5D975933F0D9}"/>
+                <a16:creationId xmlns:a16="http://schemas.microsoft.com/office/drawing/2014/main" id="{C2967917-1802-252F-480B-D75E845527B1}"/>
               </a:ext>
             </a:extLst>
           </p:cNvPr>
@@ -2427,7 +2427,7 @@
           <a:bodyPr/>
           <a:lstStyle/>
           <a:p>
-            <a:fld id="{FC233608-5B96-4529-9B2F-3A0E2BDCF4FC}" type="slidenum">
+            <a:fld id="{0EE1E839-FE36-4AF7-BF5F-BA8137F9BBBA}" type="slidenum">
               <a:rPr lang="zh-CN" altLang="en-US" smtClean="0"/>
               <a:t>‹#›</a:t>
             </a:fld>
@@ -2438,7 +2438,7 @@
     </p:spTree>
     <p:extLst>
       <p:ext uri="{BB962C8B-B14F-4D97-AF65-F5344CB8AC3E}">
-        <p14:creationId xmlns:p14="http://schemas.microsoft.com/office/powerpoint/2010/main" val="252385396"/>
+        <p14:creationId xmlns:p14="http://schemas.microsoft.com/office/powerpoint/2010/main" val="1231004499"/>
       </p:ext>
     </p:extLst>
   </p:cSld>
@@ -2470,7 +2470,7 @@
           <p:cNvPr id="2" name="标题 1">
             <a:extLst>
               <a:ext uri="{FF2B5EF4-FFF2-40B4-BE49-F238E27FC236}">
-                <a16:creationId xmlns:a16="http://schemas.microsoft.com/office/drawing/2014/main" id="{500B8C8F-2DAB-A946-4DF2-528C4C4B6572}"/>
+                <a16:creationId xmlns:a16="http://schemas.microsoft.com/office/drawing/2014/main" id="{5DD7760D-1C0E-3FF9-18E2-1FF6A14B5087}"/>
               </a:ext>
             </a:extLst>
           </p:cNvPr>
@@ -2507,7 +2507,7 @@
           <p:cNvPr id="3" name="图片占位符 2">
             <a:extLst>
               <a:ext uri="{FF2B5EF4-FFF2-40B4-BE49-F238E27FC236}">
-                <a16:creationId xmlns:a16="http://schemas.microsoft.com/office/drawing/2014/main" id="{1121C292-558A-B903-7B89-F8E117BAB854}"/>
+                <a16:creationId xmlns:a16="http://schemas.microsoft.com/office/drawing/2014/main" id="{B649D189-F3C7-BC51-5A47-C57C85D47A3A}"/>
               </a:ext>
             </a:extLst>
           </p:cNvPr>
@@ -2574,7 +2574,7 @@
           <p:cNvPr id="4" name="文本占位符 3">
             <a:extLst>
               <a:ext uri="{FF2B5EF4-FFF2-40B4-BE49-F238E27FC236}">
-                <a16:creationId xmlns:a16="http://schemas.microsoft.com/office/drawing/2014/main" id="{7B3B9C18-2685-3A1A-E564-5736CDF2D4C5}"/>
+                <a16:creationId xmlns:a16="http://schemas.microsoft.com/office/drawing/2014/main" id="{1382848E-7063-C104-9F6C-66479B304710}"/>
               </a:ext>
             </a:extLst>
           </p:cNvPr>
@@ -2645,7 +2645,7 @@
           <p:cNvPr id="5" name="日期占位符 4">
             <a:extLst>
               <a:ext uri="{FF2B5EF4-FFF2-40B4-BE49-F238E27FC236}">
-                <a16:creationId xmlns:a16="http://schemas.microsoft.com/office/drawing/2014/main" id="{38175060-49CB-A48C-31DC-68C547AE5B94}"/>
+                <a16:creationId xmlns:a16="http://schemas.microsoft.com/office/drawing/2014/main" id="{DBED2D5F-747D-C50D-5E6A-94A7F55A00AA}"/>
               </a:ext>
             </a:extLst>
           </p:cNvPr>
@@ -2661,7 +2661,7 @@
           <a:bodyPr/>
           <a:lstStyle/>
           <a:p>
-            <a:fld id="{3DA5D95A-15C4-483B-9E91-31BE209EBCCF}" type="datetimeFigureOut">
+            <a:fld id="{3CCD9F63-03AC-4CA2-A902-B03FE1FEC154}" type="datetimeFigureOut">
               <a:rPr lang="zh-CN" altLang="en-US" smtClean="0"/>
               <a:t>2024/3/10</a:t>
             </a:fld>
@@ -2674,7 +2674,7 @@
           <p:cNvPr id="6" name="页脚占位符 5">
             <a:extLst>
               <a:ext uri="{FF2B5EF4-FFF2-40B4-BE49-F238E27FC236}">
-                <a16:creationId xmlns:a16="http://schemas.microsoft.com/office/drawing/2014/main" id="{382F14CF-C75C-6D37-D98B-B6655ACACF7D}"/>
+                <a16:creationId xmlns:a16="http://schemas.microsoft.com/office/drawing/2014/main" id="{EA27FBCF-06C4-769F-FFB8-E629E1504884}"/>
               </a:ext>
             </a:extLst>
           </p:cNvPr>
@@ -2699,7 +2699,7 @@
           <p:cNvPr id="7" name="灯片编号占位符 6">
             <a:extLst>
               <a:ext uri="{FF2B5EF4-FFF2-40B4-BE49-F238E27FC236}">
-                <a16:creationId xmlns:a16="http://schemas.microsoft.com/office/drawing/2014/main" id="{0448DF24-9726-AA17-C860-D1C45A377A17}"/>
+                <a16:creationId xmlns:a16="http://schemas.microsoft.com/office/drawing/2014/main" id="{3E410077-2C4B-2154-6967-B39C52B9EDB2}"/>
               </a:ext>
             </a:extLst>
           </p:cNvPr>
@@ -2715,7 +2715,7 @@
           <a:bodyPr/>
           <a:lstStyle/>
           <a:p>
-            <a:fld id="{FC233608-5B96-4529-9B2F-3A0E2BDCF4FC}" type="slidenum">
+            <a:fld id="{0EE1E839-FE36-4AF7-BF5F-BA8137F9BBBA}" type="slidenum">
               <a:rPr lang="zh-CN" altLang="en-US" smtClean="0"/>
               <a:t>‹#›</a:t>
             </a:fld>
@@ -2726,7 +2726,7 @@
     </p:spTree>
     <p:extLst>
       <p:ext uri="{BB962C8B-B14F-4D97-AF65-F5344CB8AC3E}">
-        <p14:creationId xmlns:p14="http://schemas.microsoft.com/office/powerpoint/2010/main" val="3699228486"/>
+        <p14:creationId xmlns:p14="http://schemas.microsoft.com/office/powerpoint/2010/main" val="855683336"/>
       </p:ext>
     </p:extLst>
   </p:cSld>
@@ -2763,7 +2763,7 @@
           <p:cNvPr id="2" name="标题占位符 1">
             <a:extLst>
               <a:ext uri="{FF2B5EF4-FFF2-40B4-BE49-F238E27FC236}">
-                <a16:creationId xmlns:a16="http://schemas.microsoft.com/office/drawing/2014/main" id="{B003309F-285B-E8D6-2C8C-35DD8D81A0E4}"/>
+                <a16:creationId xmlns:a16="http://schemas.microsoft.com/office/drawing/2014/main" id="{0F79D113-9D11-9FD0-4744-39D863DD9993}"/>
               </a:ext>
             </a:extLst>
           </p:cNvPr>
@@ -2801,7 +2801,7 @@
           <p:cNvPr id="3" name="文本占位符 2">
             <a:extLst>
               <a:ext uri="{FF2B5EF4-FFF2-40B4-BE49-F238E27FC236}">
-                <a16:creationId xmlns:a16="http://schemas.microsoft.com/office/drawing/2014/main" id="{7EBEED61-B647-212D-EA5E-A22B7C06BE8E}"/>
+                <a16:creationId xmlns:a16="http://schemas.microsoft.com/office/drawing/2014/main" id="{09279279-F616-3F4B-9BD1-7B50B1B449C2}"/>
               </a:ext>
             </a:extLst>
           </p:cNvPr>
@@ -2868,7 +2868,7 @@
           <p:cNvPr id="4" name="日期占位符 3">
             <a:extLst>
               <a:ext uri="{FF2B5EF4-FFF2-40B4-BE49-F238E27FC236}">
-                <a16:creationId xmlns:a16="http://schemas.microsoft.com/office/drawing/2014/main" id="{FB632EFD-3778-8D84-BE2D-C1A213EDBFB8}"/>
+                <a16:creationId xmlns:a16="http://schemas.microsoft.com/office/drawing/2014/main" id="{D653DB93-0809-08F8-9B29-3A4FFC7A1D79}"/>
               </a:ext>
             </a:extLst>
           </p:cNvPr>
@@ -2902,7 +2902,7 @@
             </a:lvl1pPr>
           </a:lstStyle>
           <a:p>
-            <a:fld id="{3DA5D95A-15C4-483B-9E91-31BE209EBCCF}" type="datetimeFigureOut">
+            <a:fld id="{3CCD9F63-03AC-4CA2-A902-B03FE1FEC154}" type="datetimeFigureOut">
               <a:rPr lang="zh-CN" altLang="en-US" smtClean="0"/>
               <a:t>2024/3/10</a:t>
             </a:fld>
@@ -2915,7 +2915,7 @@
           <p:cNvPr id="5" name="页脚占位符 4">
             <a:extLst>
               <a:ext uri="{FF2B5EF4-FFF2-40B4-BE49-F238E27FC236}">
-                <a16:creationId xmlns:a16="http://schemas.microsoft.com/office/drawing/2014/main" id="{A3608BAD-F0FC-00CB-1B99-4CC405717383}"/>
+                <a16:creationId xmlns:a16="http://schemas.microsoft.com/office/drawing/2014/main" id="{990D6FE2-21FA-1871-D13C-0CE357246073}"/>
               </a:ext>
             </a:extLst>
           </p:cNvPr>
@@ -2958,7 +2958,7 @@
           <p:cNvPr id="6" name="灯片编号占位符 5">
             <a:extLst>
               <a:ext uri="{FF2B5EF4-FFF2-40B4-BE49-F238E27FC236}">
-                <a16:creationId xmlns:a16="http://schemas.microsoft.com/office/drawing/2014/main" id="{CB033896-39B3-5192-B381-C753BB2ABE26}"/>
+                <a16:creationId xmlns:a16="http://schemas.microsoft.com/office/drawing/2014/main" id="{68E8BA18-F3F2-41D6-6275-54896CACE9DA}"/>
               </a:ext>
             </a:extLst>
           </p:cNvPr>
@@ -2992,7 +2992,7 @@
             </a:lvl1pPr>
           </a:lstStyle>
           <a:p>
-            <a:fld id="{FC233608-5B96-4529-9B2F-3A0E2BDCF4FC}" type="slidenum">
+            <a:fld id="{0EE1E839-FE36-4AF7-BF5F-BA8137F9BBBA}" type="slidenum">
               <a:rPr lang="zh-CN" altLang="en-US" smtClean="0"/>
               <a:t>‹#›</a:t>
             </a:fld>
@@ -3003,7 +3003,7 @@
     </p:spTree>
     <p:extLst>
       <p:ext uri="{BB962C8B-B14F-4D97-AF65-F5344CB8AC3E}">
-        <p14:creationId xmlns:p14="http://schemas.microsoft.com/office/powerpoint/2010/main" val="4017695025"/>
+        <p14:creationId xmlns:p14="http://schemas.microsoft.com/office/powerpoint/2010/main" val="821304447"/>
       </p:ext>
     </p:extLst>
   </p:cSld>
